--- a/server/docs/ER图1012.pptx
+++ b/server/docs/ER图1012.pptx
@@ -243,7 +243,7 @@
           <a:p>
             <a:fld id="{BE7E52EF-DE1C-4DEB-BC21-790F0029E58F}" type="datetimeFigureOut">
               <a:rPr lang="zh-CN" altLang="en-US" smtClean="0"/>
-              <a:t>2025/10/11</a:t>
+              <a:t>2025/12/19</a:t>
             </a:fld>
             <a:endParaRPr lang="zh-CN" altLang="en-US"/>
           </a:p>
@@ -413,7 +413,7 @@
           <a:p>
             <a:fld id="{BE7E52EF-DE1C-4DEB-BC21-790F0029E58F}" type="datetimeFigureOut">
               <a:rPr lang="zh-CN" altLang="en-US" smtClean="0"/>
-              <a:t>2025/10/11</a:t>
+              <a:t>2025/12/19</a:t>
             </a:fld>
             <a:endParaRPr lang="zh-CN" altLang="en-US"/>
           </a:p>
@@ -593,7 +593,7 @@
           <a:p>
             <a:fld id="{BE7E52EF-DE1C-4DEB-BC21-790F0029E58F}" type="datetimeFigureOut">
               <a:rPr lang="zh-CN" altLang="en-US" smtClean="0"/>
-              <a:t>2025/10/11</a:t>
+              <a:t>2025/12/19</a:t>
             </a:fld>
             <a:endParaRPr lang="zh-CN" altLang="en-US"/>
           </a:p>
@@ -763,7 +763,7 @@
           <a:p>
             <a:fld id="{BE7E52EF-DE1C-4DEB-BC21-790F0029E58F}" type="datetimeFigureOut">
               <a:rPr lang="zh-CN" altLang="en-US" smtClean="0"/>
-              <a:t>2025/10/11</a:t>
+              <a:t>2025/12/19</a:t>
             </a:fld>
             <a:endParaRPr lang="zh-CN" altLang="en-US"/>
           </a:p>
@@ -1007,7 +1007,7 @@
           <a:p>
             <a:fld id="{BE7E52EF-DE1C-4DEB-BC21-790F0029E58F}" type="datetimeFigureOut">
               <a:rPr lang="zh-CN" altLang="en-US" smtClean="0"/>
-              <a:t>2025/10/11</a:t>
+              <a:t>2025/12/19</a:t>
             </a:fld>
             <a:endParaRPr lang="zh-CN" altLang="en-US"/>
           </a:p>
@@ -1239,7 +1239,7 @@
           <a:p>
             <a:fld id="{BE7E52EF-DE1C-4DEB-BC21-790F0029E58F}" type="datetimeFigureOut">
               <a:rPr lang="zh-CN" altLang="en-US" smtClean="0"/>
-              <a:t>2025/10/11</a:t>
+              <a:t>2025/12/19</a:t>
             </a:fld>
             <a:endParaRPr lang="zh-CN" altLang="en-US"/>
           </a:p>
@@ -1606,7 +1606,7 @@
           <a:p>
             <a:fld id="{BE7E52EF-DE1C-4DEB-BC21-790F0029E58F}" type="datetimeFigureOut">
               <a:rPr lang="zh-CN" altLang="en-US" smtClean="0"/>
-              <a:t>2025/10/11</a:t>
+              <a:t>2025/12/19</a:t>
             </a:fld>
             <a:endParaRPr lang="zh-CN" altLang="en-US"/>
           </a:p>
@@ -1724,7 +1724,7 @@
           <a:p>
             <a:fld id="{BE7E52EF-DE1C-4DEB-BC21-790F0029E58F}" type="datetimeFigureOut">
               <a:rPr lang="zh-CN" altLang="en-US" smtClean="0"/>
-              <a:t>2025/10/11</a:t>
+              <a:t>2025/12/19</a:t>
             </a:fld>
             <a:endParaRPr lang="zh-CN" altLang="en-US"/>
           </a:p>
@@ -1819,7 +1819,7 @@
           <a:p>
             <a:fld id="{BE7E52EF-DE1C-4DEB-BC21-790F0029E58F}" type="datetimeFigureOut">
               <a:rPr lang="zh-CN" altLang="en-US" smtClean="0"/>
-              <a:t>2025/10/11</a:t>
+              <a:t>2025/12/19</a:t>
             </a:fld>
             <a:endParaRPr lang="zh-CN" altLang="en-US"/>
           </a:p>
@@ -2096,7 +2096,7 @@
           <a:p>
             <a:fld id="{BE7E52EF-DE1C-4DEB-BC21-790F0029E58F}" type="datetimeFigureOut">
               <a:rPr lang="zh-CN" altLang="en-US" smtClean="0"/>
-              <a:t>2025/10/11</a:t>
+              <a:t>2025/12/19</a:t>
             </a:fld>
             <a:endParaRPr lang="zh-CN" altLang="en-US"/>
           </a:p>
@@ -2353,7 +2353,7 @@
           <a:p>
             <a:fld id="{BE7E52EF-DE1C-4DEB-BC21-790F0029E58F}" type="datetimeFigureOut">
               <a:rPr lang="zh-CN" altLang="en-US" smtClean="0"/>
-              <a:t>2025/10/11</a:t>
+              <a:t>2025/12/19</a:t>
             </a:fld>
             <a:endParaRPr lang="zh-CN" altLang="en-US"/>
           </a:p>
@@ -2566,7 +2566,7 @@
           <a:p>
             <a:fld id="{BE7E52EF-DE1C-4DEB-BC21-790F0029E58F}" type="datetimeFigureOut">
               <a:rPr lang="zh-CN" altLang="en-US" smtClean="0"/>
-              <a:t>2025/10/11</a:t>
+              <a:t>2025/12/19</a:t>
             </a:fld>
             <a:endParaRPr lang="zh-CN" altLang="en-US"/>
           </a:p>
@@ -12810,7 +12810,7 @@
                 <a:latin typeface="宋体" panose="02010600030101010101" pitchFamily="2" charset="-122"/>
                 <a:ea typeface="宋体" panose="02010600030101010101" pitchFamily="2" charset="-122"/>
               </a:rPr>
-              <a:t>1</a:t>
+              <a:t>m</a:t>
             </a:r>
             <a:endParaRPr lang="zh-CN" altLang="en-US" sz="2400" b="1" dirty="0">
               <a:latin typeface="宋体" panose="02010600030101010101" pitchFamily="2" charset="-122"/>
